--- a/藉我賜恩福.pptx
+++ b/藉我賜恩福.pptx
@@ -289,7 +289,7 @@
           <a:p>
             <a:fld id="{9363B7FE-807B-451E-9E5F-6C72313673CB}" type="datetimeFigureOut">
               <a:rPr lang="en-US" smtClean="0"/>
-              <a:t>7/20/2019</a:t>
+              <a:t>7/21/2019</a:t>
             </a:fld>
             <a:endParaRPr lang="en-US"/>
           </a:p>
@@ -454,7 +454,7 @@
           <a:p>
             <a:fld id="{9363B7FE-807B-451E-9E5F-6C72313673CB}" type="datetimeFigureOut">
               <a:rPr lang="en-US" smtClean="0"/>
-              <a:t>7/20/2019</a:t>
+              <a:t>7/21/2019</a:t>
             </a:fld>
             <a:endParaRPr lang="en-US"/>
           </a:p>
@@ -629,7 +629,7 @@
           <a:p>
             <a:fld id="{9363B7FE-807B-451E-9E5F-6C72313673CB}" type="datetimeFigureOut">
               <a:rPr lang="en-US" smtClean="0"/>
-              <a:t>7/20/2019</a:t>
+              <a:t>7/21/2019</a:t>
             </a:fld>
             <a:endParaRPr lang="en-US"/>
           </a:p>
@@ -794,7 +794,7 @@
           <a:p>
             <a:fld id="{9363B7FE-807B-451E-9E5F-6C72313673CB}" type="datetimeFigureOut">
               <a:rPr lang="en-US" smtClean="0"/>
-              <a:t>7/20/2019</a:t>
+              <a:t>7/21/2019</a:t>
             </a:fld>
             <a:endParaRPr lang="en-US"/>
           </a:p>
@@ -1035,7 +1035,7 @@
           <a:p>
             <a:fld id="{9363B7FE-807B-451E-9E5F-6C72313673CB}" type="datetimeFigureOut">
               <a:rPr lang="en-US" smtClean="0"/>
-              <a:t>7/20/2019</a:t>
+              <a:t>7/21/2019</a:t>
             </a:fld>
             <a:endParaRPr lang="en-US"/>
           </a:p>
@@ -1318,7 +1318,7 @@
           <a:p>
             <a:fld id="{9363B7FE-807B-451E-9E5F-6C72313673CB}" type="datetimeFigureOut">
               <a:rPr lang="en-US" smtClean="0"/>
-              <a:t>7/20/2019</a:t>
+              <a:t>7/21/2019</a:t>
             </a:fld>
             <a:endParaRPr lang="en-US"/>
           </a:p>
@@ -1735,7 +1735,7 @@
           <a:p>
             <a:fld id="{9363B7FE-807B-451E-9E5F-6C72313673CB}" type="datetimeFigureOut">
               <a:rPr lang="en-US" smtClean="0"/>
-              <a:t>7/20/2019</a:t>
+              <a:t>7/21/2019</a:t>
             </a:fld>
             <a:endParaRPr lang="en-US"/>
           </a:p>
@@ -1848,7 +1848,7 @@
           <a:p>
             <a:fld id="{9363B7FE-807B-451E-9E5F-6C72313673CB}" type="datetimeFigureOut">
               <a:rPr lang="en-US" smtClean="0"/>
-              <a:t>7/20/2019</a:t>
+              <a:t>7/21/2019</a:t>
             </a:fld>
             <a:endParaRPr lang="en-US"/>
           </a:p>
@@ -1938,7 +1938,7 @@
           <a:p>
             <a:fld id="{9363B7FE-807B-451E-9E5F-6C72313673CB}" type="datetimeFigureOut">
               <a:rPr lang="en-US" smtClean="0"/>
-              <a:t>7/20/2019</a:t>
+              <a:t>7/21/2019</a:t>
             </a:fld>
             <a:endParaRPr lang="en-US"/>
           </a:p>
@@ -2210,7 +2210,7 @@
           <a:p>
             <a:fld id="{9363B7FE-807B-451E-9E5F-6C72313673CB}" type="datetimeFigureOut">
               <a:rPr lang="en-US" smtClean="0"/>
-              <a:t>7/20/2019</a:t>
+              <a:t>7/21/2019</a:t>
             </a:fld>
             <a:endParaRPr lang="en-US"/>
           </a:p>
@@ -2462,7 +2462,7 @@
           <a:p>
             <a:fld id="{9363B7FE-807B-451E-9E5F-6C72313673CB}" type="datetimeFigureOut">
               <a:rPr lang="en-US" smtClean="0"/>
-              <a:t>7/20/2019</a:t>
+              <a:t>7/21/2019</a:t>
             </a:fld>
             <a:endParaRPr lang="en-US"/>
           </a:p>
@@ -2675,7 +2675,7 @@
           <a:p>
             <a:fld id="{9363B7FE-807B-451E-9E5F-6C72313673CB}" type="datetimeFigureOut">
               <a:rPr lang="en-US" smtClean="0"/>
-              <a:t>7/20/2019</a:t>
+              <a:t>7/21/2019</a:t>
             </a:fld>
             <a:endParaRPr lang="en-US"/>
           </a:p>
@@ -3109,7 +3109,7 @@
               <a:t>白白得</a:t>
             </a:r>
             <a:r>
-              <a:rPr lang="zh-TW" altLang="en-US" sz="4800" b="1" dirty="0" smtClean="0">
+              <a:rPr lang="zh-TW" altLang="en-US" sz="4800" b="1" dirty="0">
                 <a:latin typeface="Microsoft JhengHei" pitchFamily="34" charset="-120"/>
                 <a:ea typeface="Microsoft JhengHei" pitchFamily="34" charset="-120"/>
               </a:rPr>
@@ -3123,13 +3123,13 @@
               <a:t>要白白施</a:t>
             </a:r>
             <a:r>
-              <a:rPr lang="zh-TW" altLang="en-US" sz="4800" b="1" dirty="0" smtClean="0">
+              <a:rPr lang="zh-TW" altLang="en-US" sz="4800" b="1" dirty="0">
                 <a:latin typeface="Microsoft JhengHei" pitchFamily="34" charset="-120"/>
                 <a:ea typeface="Microsoft JhengHei" pitchFamily="34" charset="-120"/>
               </a:rPr>
               <a:t>與</a:t>
             </a:r>
-            <a:endParaRPr lang="en-US" altLang="zh-TW" sz="4800" b="1" dirty="0" smtClean="0">
+            <a:endParaRPr lang="en-US" altLang="zh-TW" sz="4800" b="1" dirty="0">
               <a:latin typeface="Microsoft JhengHei" pitchFamily="34" charset="-120"/>
               <a:ea typeface="Microsoft JhengHei" pitchFamily="34" charset="-120"/>
             </a:endParaRPr>
@@ -3138,28 +3138,28 @@
             <a:pPr marL="0" indent="0" algn="ctr">
               <a:buNone/>
             </a:pPr>
-            <a:r>
-              <a:rPr lang="zh-TW" altLang="en-US" sz="4800" b="1" dirty="0" smtClean="0">
-                <a:latin typeface="Microsoft JhengHei" pitchFamily="34" charset="-120"/>
-                <a:ea typeface="Microsoft JhengHei" pitchFamily="34" charset="-120"/>
-              </a:rPr>
-              <a:t>愛</a:t>
-            </a:r>
             <a:r>
               <a:rPr lang="zh-TW" altLang="en-US" sz="4800" b="1" dirty="0">
                 <a:latin typeface="Microsoft JhengHei" pitchFamily="34" charset="-120"/>
                 <a:ea typeface="Microsoft JhengHei" pitchFamily="34" charset="-120"/>
               </a:rPr>
-              <a:t>人要像主愛</a:t>
-            </a:r>
-            <a:r>
-              <a:rPr lang="zh-TW" altLang="en-US" sz="4800" b="1" dirty="0" smtClean="0">
+              <a:t>當</a:t>
+            </a:r>
+            <a:r>
+              <a:rPr lang="zh-TW" altLang="en-US" sz="4800" b="1" dirty="0">
+                <a:latin typeface="Microsoft JhengHei" pitchFamily="34" charset="-120"/>
+                <a:ea typeface="Microsoft JhengHei" pitchFamily="34" charset="-120"/>
+              </a:rPr>
+              <a:t>愛人像主愛</a:t>
+            </a:r>
+            <a:r>
+              <a:rPr lang="zh-TW" altLang="en-US" sz="4800" b="1" dirty="0">
                 <a:latin typeface="Microsoft JhengHei" pitchFamily="34" charset="-120"/>
                 <a:ea typeface="Microsoft JhengHei" pitchFamily="34" charset="-120"/>
               </a:rPr>
               <a:t>你</a:t>
             </a:r>
-            <a:endParaRPr lang="en-US" altLang="zh-TW" sz="4800" b="1" dirty="0" smtClean="0">
+            <a:endParaRPr lang="en-US" altLang="zh-TW" sz="4800" b="1" dirty="0">
               <a:latin typeface="Microsoft JhengHei" pitchFamily="34" charset="-120"/>
               <a:ea typeface="Microsoft JhengHei" pitchFamily="34" charset="-120"/>
             </a:endParaRPr>
@@ -3168,56 +3168,56 @@
             <a:pPr marL="0" indent="0" algn="ctr">
               <a:buNone/>
             </a:pPr>
-            <a:r>
-              <a:rPr lang="zh-TW" altLang="en-US" sz="4800" b="1" dirty="0" smtClean="0">
-                <a:latin typeface="Microsoft JhengHei" pitchFamily="34" charset="-120"/>
-                <a:ea typeface="Microsoft JhengHei" pitchFamily="34" charset="-120"/>
-              </a:rPr>
-              <a:t>攙</a:t>
-            </a:r>
             <a:r>
               <a:rPr lang="zh-TW" altLang="en-US" sz="4800" b="1" dirty="0">
                 <a:latin typeface="Microsoft JhengHei" pitchFamily="34" charset="-120"/>
                 <a:ea typeface="Microsoft JhengHei" pitchFamily="34" charset="-120"/>
               </a:rPr>
-              <a:t>扶軟弱者務要盡心</a:t>
-            </a:r>
-            <a:r>
-              <a:rPr lang="zh-TW" altLang="en-US" sz="4800" b="1" dirty="0" smtClean="0">
-                <a:latin typeface="Microsoft JhengHei" pitchFamily="34" charset="-120"/>
-                <a:ea typeface="Microsoft JhengHei" pitchFamily="34" charset="-120"/>
-              </a:rPr>
-              <a:t>力   </a:t>
-            </a:r>
-            <a:endParaRPr lang="en-US" altLang="zh-TW" sz="4800" b="1" dirty="0" smtClean="0">
-              <a:latin typeface="Microsoft JhengHei" pitchFamily="34" charset="-120"/>
-              <a:ea typeface="Microsoft JhengHei" pitchFamily="34" charset="-120"/>
-            </a:endParaRPr>
-          </a:p>
-          <a:p>
-            <a:pPr marL="0" indent="0" algn="ctr">
-              <a:buNone/>
-            </a:pPr>
-            <a:r>
-              <a:rPr lang="zh-TW" altLang="en-US" sz="4800" b="1" dirty="0" smtClean="0">
-                <a:latin typeface="Microsoft JhengHei" pitchFamily="34" charset="-120"/>
-                <a:ea typeface="Microsoft JhengHei" pitchFamily="34" charset="-120"/>
-              </a:rPr>
-              <a:t>忠</a:t>
+              <a:t>盡</a:t>
             </a:r>
             <a:r>
               <a:rPr lang="zh-TW" altLang="en-US" sz="4800" b="1" dirty="0">
                 <a:latin typeface="Microsoft JhengHei" pitchFamily="34" charset="-120"/>
                 <a:ea typeface="Microsoft JhengHei" pitchFamily="34" charset="-120"/>
               </a:rPr>
-              <a:t>於主始終如</a:t>
-            </a:r>
-            <a:r>
-              <a:rPr lang="zh-TW" altLang="en-US" sz="4800" b="1" dirty="0" smtClean="0">
+              <a:t>心盡力幫助軟弱的</a:t>
+            </a:r>
+            <a:r>
+              <a:rPr lang="zh-TW" altLang="en-US" sz="4800" b="1" dirty="0">
                 <a:latin typeface="Microsoft JhengHei" pitchFamily="34" charset="-120"/>
                 <a:ea typeface="Microsoft JhengHei" pitchFamily="34" charset="-120"/>
               </a:rPr>
-              <a:t>一</a:t>
+              <a:t>人</a:t>
+            </a:r>
+            <a:endParaRPr lang="en-US" altLang="zh-TW" sz="4800" b="1" dirty="0">
+              <a:latin typeface="Microsoft JhengHei" pitchFamily="34" charset="-120"/>
+              <a:ea typeface="Microsoft JhengHei" pitchFamily="34" charset="-120"/>
+            </a:endParaRPr>
+          </a:p>
+          <a:p>
+            <a:pPr marL="0" indent="0" algn="ctr">
+              <a:buNone/>
+            </a:pPr>
+            <a:r>
+              <a:rPr lang="zh-TW" altLang="en-US" sz="4800" b="1" dirty="0">
+                <a:latin typeface="Microsoft JhengHei" pitchFamily="34" charset="-120"/>
+                <a:ea typeface="Microsoft JhengHei" pitchFamily="34" charset="-120"/>
+              </a:rPr>
+              <a:t>主</a:t>
+            </a:r>
+            <a:r>
+              <a:rPr lang="zh-TW" altLang="en-US" sz="4800" b="1" dirty="0">
+                <a:latin typeface="Microsoft JhengHei" pitchFamily="34" charset="-120"/>
+                <a:ea typeface="Microsoft JhengHei" pitchFamily="34" charset="-120"/>
+              </a:rPr>
+              <a:t>託付始終不</a:t>
+            </a:r>
+            <a:r>
+              <a:rPr lang="zh-TW" altLang="en-US" sz="4800" b="1" dirty="0">
+                <a:latin typeface="Microsoft JhengHei" pitchFamily="34" charset="-120"/>
+                <a:ea typeface="Microsoft JhengHei" pitchFamily="34" charset="-120"/>
+              </a:rPr>
+              <a:t>棄</a:t>
             </a:r>
             <a:endParaRPr lang="en-US" sz="4800" b="1" dirty="0">
               <a:latin typeface="Microsoft JhengHei" pitchFamily="34" charset="-120"/>
